--- a/Ch13_CSS3盒模型/13.CSS3盒模型.pptx
+++ b/Ch13_CSS3盒模型/13.CSS3盒模型.pptx
@@ -232,7 +232,7 @@
           <a:p>
             <a:fld id="{D2A48B96-639E-45A3-A0BA-2464DFDB1FAA}" type="datetimeFigureOut">
               <a:rPr lang="zh-CN" altLang="en-US" smtClean="0"/>
-              <a:t>2017/5/19</a:t>
+              <a:t>2017/8/16</a:t>
             </a:fld>
             <a:endParaRPr lang="zh-CN" altLang="en-US"/>
           </a:p>
@@ -2826,7 +2826,7 @@
           <a:p>
             <a:fld id="{1ABFA14F-DE9C-4D83-8C58-D4C03BB9FF78}" type="datetimeFigureOut">
               <a:rPr lang="zh-CN" altLang="en-US" smtClean="0"/>
-              <a:t>2017/5/19</a:t>
+              <a:t>2017/8/16</a:t>
             </a:fld>
             <a:endParaRPr lang="zh-CN" altLang="en-US"/>
           </a:p>
@@ -2951,7 +2951,7 @@
           <a:p>
             <a:fld id="{1ABFA14F-DE9C-4D83-8C58-D4C03BB9FF78}" type="datetimeFigureOut">
               <a:rPr lang="zh-CN" altLang="en-US" smtClean="0"/>
-              <a:t>2017/5/19</a:t>
+              <a:t>2017/8/16</a:t>
             </a:fld>
             <a:endParaRPr lang="zh-CN" altLang="en-US"/>
           </a:p>
@@ -3176,7 +3176,7 @@
           <a:p>
             <a:fld id="{1ABFA14F-DE9C-4D83-8C58-D4C03BB9FF78}" type="datetimeFigureOut">
               <a:rPr lang="zh-CN" altLang="en-US" smtClean="0"/>
-              <a:t>2017/5/19</a:t>
+              <a:t>2017/8/16</a:t>
             </a:fld>
             <a:endParaRPr lang="zh-CN" altLang="en-US"/>
           </a:p>
@@ -3401,7 +3401,7 @@
           <a:p>
             <a:fld id="{1ABFA14F-DE9C-4D83-8C58-D4C03BB9FF78}" type="datetimeFigureOut">
               <a:rPr lang="zh-CN" altLang="en-US" smtClean="0"/>
-              <a:t>2017/5/19</a:t>
+              <a:t>2017/8/16</a:t>
             </a:fld>
             <a:endParaRPr lang="zh-CN" altLang="en-US"/>
           </a:p>
@@ -3626,7 +3626,7 @@
           <a:p>
             <a:fld id="{1ABFA14F-DE9C-4D83-8C58-D4C03BB9FF78}" type="datetimeFigureOut">
               <a:rPr lang="zh-CN" altLang="en-US" smtClean="0"/>
-              <a:t>2017/5/19</a:t>
+              <a:t>2017/8/16</a:t>
             </a:fld>
             <a:endParaRPr lang="zh-CN" altLang="en-US"/>
           </a:p>
@@ -3851,7 +3851,7 @@
           <a:p>
             <a:fld id="{1ABFA14F-DE9C-4D83-8C58-D4C03BB9FF78}" type="datetimeFigureOut">
               <a:rPr lang="zh-CN" altLang="en-US" smtClean="0"/>
-              <a:t>2017/5/19</a:t>
+              <a:t>2017/8/16</a:t>
             </a:fld>
             <a:endParaRPr lang="zh-CN" altLang="en-US"/>
           </a:p>
@@ -4076,7 +4076,7 @@
           <a:p>
             <a:fld id="{1ABFA14F-DE9C-4D83-8C58-D4C03BB9FF78}" type="datetimeFigureOut">
               <a:rPr lang="zh-CN" altLang="en-US" smtClean="0"/>
-              <a:t>2017/5/19</a:t>
+              <a:t>2017/8/16</a:t>
             </a:fld>
             <a:endParaRPr lang="zh-CN" altLang="en-US"/>
           </a:p>
@@ -4301,7 +4301,7 @@
           <a:p>
             <a:fld id="{1ABFA14F-DE9C-4D83-8C58-D4C03BB9FF78}" type="datetimeFigureOut">
               <a:rPr lang="zh-CN" altLang="en-US" smtClean="0"/>
-              <a:t>2017/5/19</a:t>
+              <a:t>2017/8/16</a:t>
             </a:fld>
             <a:endParaRPr lang="zh-CN" altLang="en-US"/>
           </a:p>
@@ -4526,7 +4526,7 @@
           <a:p>
             <a:fld id="{1ABFA14F-DE9C-4D83-8C58-D4C03BB9FF78}" type="datetimeFigureOut">
               <a:rPr lang="zh-CN" altLang="en-US" smtClean="0"/>
-              <a:t>2017/5/19</a:t>
+              <a:t>2017/8/16</a:t>
             </a:fld>
             <a:endParaRPr lang="zh-CN" altLang="en-US"/>
           </a:p>
@@ -4751,7 +4751,7 @@
           <a:p>
             <a:fld id="{1ABFA14F-DE9C-4D83-8C58-D4C03BB9FF78}" type="datetimeFigureOut">
               <a:rPr lang="zh-CN" altLang="en-US" smtClean="0"/>
-              <a:t>2017/5/19</a:t>
+              <a:t>2017/8/16</a:t>
             </a:fld>
             <a:endParaRPr lang="zh-CN" altLang="en-US"/>
           </a:p>
@@ -4976,7 +4976,7 @@
           <a:p>
             <a:fld id="{1ABFA14F-DE9C-4D83-8C58-D4C03BB9FF78}" type="datetimeFigureOut">
               <a:rPr lang="zh-CN" altLang="en-US" smtClean="0"/>
-              <a:t>2017/5/19</a:t>
+              <a:t>2017/8/16</a:t>
             </a:fld>
             <a:endParaRPr lang="zh-CN" altLang="en-US"/>
           </a:p>
@@ -5310,7 +5310,7 @@
           <a:p>
             <a:fld id="{1ABFA14F-DE9C-4D83-8C58-D4C03BB9FF78}" type="datetimeFigureOut">
               <a:rPr lang="zh-CN" altLang="en-US" smtClean="0"/>
-              <a:t>2017/5/19</a:t>
+              <a:t>2017/8/16</a:t>
             </a:fld>
             <a:endParaRPr lang="zh-CN" altLang="en-US"/>
           </a:p>
@@ -5461,7 +5461,7 @@
           <a:p>
             <a:fld id="{1ABFA14F-DE9C-4D83-8C58-D4C03BB9FF78}" type="datetimeFigureOut">
               <a:rPr lang="zh-CN" altLang="en-US" smtClean="0"/>
-              <a:t>2017/5/19</a:t>
+              <a:t>2017/8/16</a:t>
             </a:fld>
             <a:endParaRPr lang="zh-CN" altLang="en-US"/>
           </a:p>
@@ -5686,7 +5686,7 @@
           <a:p>
             <a:fld id="{1ABFA14F-DE9C-4D83-8C58-D4C03BB9FF78}" type="datetimeFigureOut">
               <a:rPr lang="zh-CN" altLang="en-US" smtClean="0"/>
-              <a:t>2017/5/19</a:t>
+              <a:t>2017/8/16</a:t>
             </a:fld>
             <a:endParaRPr lang="zh-CN" altLang="en-US"/>
           </a:p>
@@ -5911,7 +5911,7 @@
           <a:p>
             <a:fld id="{1ABFA14F-DE9C-4D83-8C58-D4C03BB9FF78}" type="datetimeFigureOut">
               <a:rPr lang="zh-CN" altLang="en-US" smtClean="0"/>
-              <a:t>2017/5/19</a:t>
+              <a:t>2017/8/16</a:t>
             </a:fld>
             <a:endParaRPr lang="zh-CN" altLang="en-US"/>
           </a:p>
@@ -6136,7 +6136,7 @@
           <a:p>
             <a:fld id="{1ABFA14F-DE9C-4D83-8C58-D4C03BB9FF78}" type="datetimeFigureOut">
               <a:rPr lang="zh-CN" altLang="en-US" smtClean="0"/>
-              <a:t>2017/5/19</a:t>
+              <a:t>2017/8/16</a:t>
             </a:fld>
             <a:endParaRPr lang="zh-CN" altLang="en-US"/>
           </a:p>
@@ -6361,7 +6361,7 @@
           <a:p>
             <a:fld id="{1ABFA14F-DE9C-4D83-8C58-D4C03BB9FF78}" type="datetimeFigureOut">
               <a:rPr lang="zh-CN" altLang="en-US" smtClean="0"/>
-              <a:t>2017/5/19</a:t>
+              <a:t>2017/8/16</a:t>
             </a:fld>
             <a:endParaRPr lang="zh-CN" altLang="en-US"/>
           </a:p>
@@ -6586,7 +6586,7 @@
           <a:p>
             <a:fld id="{1ABFA14F-DE9C-4D83-8C58-D4C03BB9FF78}" type="datetimeFigureOut">
               <a:rPr lang="zh-CN" altLang="en-US" smtClean="0"/>
-              <a:t>2017/5/19</a:t>
+              <a:t>2017/8/16</a:t>
             </a:fld>
             <a:endParaRPr lang="zh-CN" altLang="en-US"/>
           </a:p>
@@ -6811,7 +6811,7 @@
           <a:p>
             <a:fld id="{1ABFA14F-DE9C-4D83-8C58-D4C03BB9FF78}" type="datetimeFigureOut">
               <a:rPr lang="zh-CN" altLang="en-US" smtClean="0"/>
-              <a:t>2017/5/19</a:t>
+              <a:t>2017/8/16</a:t>
             </a:fld>
             <a:endParaRPr lang="zh-CN" altLang="en-US"/>
           </a:p>
@@ -7036,7 +7036,7 @@
           <a:p>
             <a:fld id="{1ABFA14F-DE9C-4D83-8C58-D4C03BB9FF78}" type="datetimeFigureOut">
               <a:rPr lang="zh-CN" altLang="en-US" smtClean="0"/>
-              <a:t>2017/5/19</a:t>
+              <a:t>2017/8/16</a:t>
             </a:fld>
             <a:endParaRPr lang="zh-CN" altLang="en-US"/>
           </a:p>
@@ -7261,7 +7261,7 @@
           <a:p>
             <a:fld id="{1ABFA14F-DE9C-4D83-8C58-D4C03BB9FF78}" type="datetimeFigureOut">
               <a:rPr lang="zh-CN" altLang="en-US" smtClean="0"/>
-              <a:t>2017/5/19</a:t>
+              <a:t>2017/8/16</a:t>
             </a:fld>
             <a:endParaRPr lang="zh-CN" altLang="en-US"/>
           </a:p>
@@ -7486,7 +7486,7 @@
           <a:p>
             <a:fld id="{1ABFA14F-DE9C-4D83-8C58-D4C03BB9FF78}" type="datetimeFigureOut">
               <a:rPr lang="zh-CN" altLang="en-US" smtClean="0"/>
-              <a:t>2017/5/19</a:t>
+              <a:t>2017/8/16</a:t>
             </a:fld>
             <a:endParaRPr lang="zh-CN" altLang="en-US"/>
           </a:p>
@@ -7814,7 +7814,7 @@
           <a:p>
             <a:fld id="{1ABFA14F-DE9C-4D83-8C58-D4C03BB9FF78}" type="datetimeFigureOut">
               <a:rPr lang="zh-CN" altLang="en-US" smtClean="0"/>
-              <a:t>2017/5/19</a:t>
+              <a:t>2017/8/16</a:t>
             </a:fld>
             <a:endParaRPr lang="zh-CN" altLang="en-US"/>
           </a:p>
@@ -7911,7 +7911,7 @@
           <a:p>
             <a:fld id="{1ABFA14F-DE9C-4D83-8C58-D4C03BB9FF78}" type="datetimeFigureOut">
               <a:rPr lang="zh-CN" altLang="en-US" smtClean="0"/>
-              <a:t>2017/5/19</a:t>
+              <a:t>2017/8/16</a:t>
             </a:fld>
             <a:endParaRPr lang="zh-CN" altLang="en-US"/>
           </a:p>
@@ -8136,7 +8136,7 @@
           <a:p>
             <a:fld id="{1ABFA14F-DE9C-4D83-8C58-D4C03BB9FF78}" type="datetimeFigureOut">
               <a:rPr lang="zh-CN" altLang="en-US" smtClean="0"/>
-              <a:t>2017/5/19</a:t>
+              <a:t>2017/8/16</a:t>
             </a:fld>
             <a:endParaRPr lang="zh-CN" altLang="en-US"/>
           </a:p>
@@ -8361,7 +8361,7 @@
           <a:p>
             <a:fld id="{1ABFA14F-DE9C-4D83-8C58-D4C03BB9FF78}" type="datetimeFigureOut">
               <a:rPr lang="zh-CN" altLang="en-US" smtClean="0"/>
-              <a:t>2017/5/19</a:t>
+              <a:t>2017/8/16</a:t>
             </a:fld>
             <a:endParaRPr lang="zh-CN" altLang="en-US"/>
           </a:p>
@@ -8586,7 +8586,7 @@
           <a:p>
             <a:fld id="{1ABFA14F-DE9C-4D83-8C58-D4C03BB9FF78}" type="datetimeFigureOut">
               <a:rPr lang="zh-CN" altLang="en-US" smtClean="0"/>
-              <a:t>2017/5/19</a:t>
+              <a:t>2017/8/16</a:t>
             </a:fld>
             <a:endParaRPr lang="zh-CN" altLang="en-US"/>
           </a:p>
@@ -8811,7 +8811,7 @@
           <a:p>
             <a:fld id="{1ABFA14F-DE9C-4D83-8C58-D4C03BB9FF78}" type="datetimeFigureOut">
               <a:rPr lang="zh-CN" altLang="en-US" smtClean="0"/>
-              <a:t>2017/5/19</a:t>
+              <a:t>2017/8/16</a:t>
             </a:fld>
             <a:endParaRPr lang="zh-CN" altLang="en-US"/>
           </a:p>
@@ -9036,7 +9036,7 @@
           <a:p>
             <a:fld id="{1ABFA14F-DE9C-4D83-8C58-D4C03BB9FF78}" type="datetimeFigureOut">
               <a:rPr lang="zh-CN" altLang="en-US" smtClean="0"/>
-              <a:t>2017/5/19</a:t>
+              <a:t>2017/8/16</a:t>
             </a:fld>
             <a:endParaRPr lang="zh-CN" altLang="en-US"/>
           </a:p>
@@ -9261,7 +9261,7 @@
           <a:p>
             <a:fld id="{1ABFA14F-DE9C-4D83-8C58-D4C03BB9FF78}" type="datetimeFigureOut">
               <a:rPr lang="zh-CN" altLang="en-US" smtClean="0"/>
-              <a:t>2017/5/19</a:t>
+              <a:t>2017/8/16</a:t>
             </a:fld>
             <a:endParaRPr lang="zh-CN" altLang="en-US"/>
           </a:p>
@@ -9486,7 +9486,7 @@
           <a:p>
             <a:fld id="{1ABFA14F-DE9C-4D83-8C58-D4C03BB9FF78}" type="datetimeFigureOut">
               <a:rPr lang="zh-CN" altLang="en-US" smtClean="0"/>
-              <a:t>2017/5/19</a:t>
+              <a:t>2017/8/16</a:t>
             </a:fld>
             <a:endParaRPr lang="zh-CN" altLang="en-US"/>
           </a:p>
@@ -9957,7 +9957,7 @@
           <a:p>
             <a:fld id="{1ABFA14F-DE9C-4D83-8C58-D4C03BB9FF78}" type="datetimeFigureOut">
               <a:rPr lang="zh-CN" altLang="en-US" smtClean="0"/>
-              <a:t>2017/5/19</a:t>
+              <a:t>2017/8/16</a:t>
             </a:fld>
             <a:endParaRPr lang="zh-CN" altLang="en-US"/>
           </a:p>
@@ -10462,7 +10462,7 @@
           <a:p>
             <a:fld id="{1ABFA14F-DE9C-4D83-8C58-D4C03BB9FF78}" type="datetimeFigureOut">
               <a:rPr lang="zh-CN" altLang="en-US" smtClean="0"/>
-              <a:t>2017/5/19</a:t>
+              <a:t>2017/8/16</a:t>
             </a:fld>
             <a:endParaRPr lang="zh-CN" altLang="en-US"/>
           </a:p>
@@ -10762,7 +10762,7 @@
           <a:p>
             <a:fld id="{1ABFA14F-DE9C-4D83-8C58-D4C03BB9FF78}" type="datetimeFigureOut">
               <a:rPr lang="zh-CN" altLang="en-US" smtClean="0"/>
-              <a:t>2017/5/19</a:t>
+              <a:t>2017/8/16</a:t>
             </a:fld>
             <a:endParaRPr lang="zh-CN" altLang="en-US"/>
           </a:p>
@@ -10887,7 +10887,7 @@
           <a:p>
             <a:fld id="{1ABFA14F-DE9C-4D83-8C58-D4C03BB9FF78}" type="datetimeFigureOut">
               <a:rPr lang="zh-CN" altLang="en-US" smtClean="0"/>
-              <a:t>2017/5/19</a:t>
+              <a:t>2017/8/16</a:t>
             </a:fld>
             <a:endParaRPr lang="zh-CN" altLang="en-US"/>
           </a:p>
@@ -11154,7 +11154,7 @@
           <a:p>
             <a:fld id="{1ABFA14F-DE9C-4D83-8C58-D4C03BB9FF78}" type="datetimeFigureOut">
               <a:rPr lang="zh-CN" altLang="en-US" smtClean="0"/>
-              <a:t>2017/5/19</a:t>
+              <a:t>2017/8/16</a:t>
             </a:fld>
             <a:endParaRPr lang="zh-CN" altLang="en-US"/>
           </a:p>
@@ -11359,7 +11359,7 @@
           <a:p>
             <a:fld id="{1ABFA14F-DE9C-4D83-8C58-D4C03BB9FF78}" type="datetimeFigureOut">
               <a:rPr lang="zh-CN" altLang="en-US" smtClean="0"/>
-              <a:t>2017/5/19</a:t>
+              <a:t>2017/8/16</a:t>
             </a:fld>
             <a:endParaRPr lang="zh-CN" altLang="en-US"/>
           </a:p>
@@ -11670,7 +11670,7 @@
           <a:p>
             <a:fld id="{1ABFA14F-DE9C-4D83-8C58-D4C03BB9FF78}" type="datetimeFigureOut">
               <a:rPr lang="zh-CN" altLang="en-US" smtClean="0"/>
-              <a:t>2017/5/19</a:t>
+              <a:t>2017/8/16</a:t>
             </a:fld>
             <a:endParaRPr lang="zh-CN" altLang="en-US"/>
           </a:p>
@@ -13522,62 +13522,6 @@
           </a:p>
         </p:txBody>
       </p:sp>
-      <p:sp>
-        <p:nvSpPr>
-          <p:cNvPr id="5" name="矩形 4"/>
-          <p:cNvSpPr/>
-          <p:nvPr/>
-        </p:nvSpPr>
-        <p:spPr>
-          <a:xfrm>
-            <a:off x="7591431" y="3710927"/>
-            <a:ext cx="2698175" cy="637675"/>
-          </a:xfrm>
-          <a:prstGeom prst="rect">
-            <a:avLst/>
-          </a:prstGeom>
-        </p:spPr>
-        <p:txBody>
-          <a:bodyPr wrap="none">
-            <a:spAutoFit/>
-          </a:bodyPr>
-          <a:lstStyle/>
-          <a:p>
-            <a:pPr>
-              <a:lnSpc>
-                <a:spcPct val="150000"/>
-              </a:lnSpc>
-            </a:pPr>
-            <a:r>
-              <a:rPr lang="zh-CN" altLang="en-US" sz="2800" dirty="0" smtClean="0">
-                <a:solidFill>
-                  <a:srgbClr val="C00000"/>
-                </a:solidFill>
-                <a:latin typeface="+mj-ea"/>
-                <a:ea typeface="+mj-ea"/>
-              </a:rPr>
-              <a:t>实例：</a:t>
-            </a:r>
-            <a:r>
-              <a:rPr lang="en-US" altLang="zh-CN" sz="2800" dirty="0" smtClean="0">
-                <a:solidFill>
-                  <a:srgbClr val="C00000"/>
-                </a:solidFill>
-                <a:latin typeface="+mj-ea"/>
-                <a:ea typeface="+mj-ea"/>
-              </a:rPr>
-              <a:t>demo-6-1</a:t>
-            </a:r>
-            <a:endParaRPr lang="zh-CN" altLang="en-US" sz="2800" dirty="0" smtClean="0">
-              <a:solidFill>
-                <a:srgbClr val="C00000"/>
-              </a:solidFill>
-              <a:latin typeface="+mj-ea"/>
-              <a:ea typeface="+mj-ea"/>
-            </a:endParaRPr>
-          </a:p>
-        </p:txBody>
-      </p:sp>
       <p:pic>
         <p:nvPicPr>
           <p:cNvPr id="6" name="Picture 2"/>
@@ -13698,62 +13642,6 @@
           </a:p>
         </p:txBody>
       </p:sp>
-      <p:sp>
-        <p:nvSpPr>
-          <p:cNvPr id="5" name="矩形 4"/>
-          <p:cNvSpPr/>
-          <p:nvPr/>
-        </p:nvSpPr>
-        <p:spPr>
-          <a:xfrm>
-            <a:off x="755684" y="5659287"/>
-            <a:ext cx="2698175" cy="637675"/>
-          </a:xfrm>
-          <a:prstGeom prst="rect">
-            <a:avLst/>
-          </a:prstGeom>
-        </p:spPr>
-        <p:txBody>
-          <a:bodyPr wrap="none">
-            <a:spAutoFit/>
-          </a:bodyPr>
-          <a:lstStyle/>
-          <a:p>
-            <a:pPr>
-              <a:lnSpc>
-                <a:spcPct val="150000"/>
-              </a:lnSpc>
-            </a:pPr>
-            <a:r>
-              <a:rPr lang="zh-CN" altLang="en-US" sz="2800" dirty="0" smtClean="0">
-                <a:solidFill>
-                  <a:srgbClr val="C00000"/>
-                </a:solidFill>
-                <a:latin typeface="+mj-ea"/>
-                <a:ea typeface="+mj-ea"/>
-              </a:rPr>
-              <a:t>实例：</a:t>
-            </a:r>
-            <a:r>
-              <a:rPr lang="en-US" altLang="zh-CN" sz="2800" dirty="0" smtClean="0">
-                <a:solidFill>
-                  <a:srgbClr val="C00000"/>
-                </a:solidFill>
-                <a:latin typeface="+mj-ea"/>
-                <a:ea typeface="+mj-ea"/>
-              </a:rPr>
-              <a:t>demo-6-1</a:t>
-            </a:r>
-            <a:endParaRPr lang="zh-CN" altLang="en-US" sz="2800" dirty="0" smtClean="0">
-              <a:solidFill>
-                <a:srgbClr val="C00000"/>
-              </a:solidFill>
-              <a:latin typeface="+mj-ea"/>
-              <a:ea typeface="+mj-ea"/>
-            </a:endParaRPr>
-          </a:p>
-        </p:txBody>
-      </p:sp>
       <p:pic>
         <p:nvPicPr>
           <p:cNvPr id="7" name="Picture 2"/>
@@ -14184,53 +14072,6 @@
           </a:p>
         </p:txBody>
       </p:sp>
-      <p:sp>
-        <p:nvSpPr>
-          <p:cNvPr id="5" name="矩形 4"/>
-          <p:cNvSpPr/>
-          <p:nvPr/>
-        </p:nvSpPr>
-        <p:spPr>
-          <a:xfrm>
-            <a:off x="9380930" y="5179235"/>
-            <a:ext cx="2698175" cy="637675"/>
-          </a:xfrm>
-          <a:prstGeom prst="rect">
-            <a:avLst/>
-          </a:prstGeom>
-        </p:spPr>
-        <p:txBody>
-          <a:bodyPr wrap="none">
-            <a:spAutoFit/>
-          </a:bodyPr>
-          <a:lstStyle/>
-          <a:p>
-            <a:pPr>
-              <a:lnSpc>
-                <a:spcPct val="150000"/>
-              </a:lnSpc>
-            </a:pPr>
-            <a:r>
-              <a:rPr lang="zh-CN" altLang="en-US" sz="2800" dirty="0" smtClean="0">
-                <a:latin typeface="+mj-ea"/>
-                <a:ea typeface="+mj-ea"/>
-              </a:rPr>
-              <a:t>实例：</a:t>
-            </a:r>
-            <a:r>
-              <a:rPr lang="en-US" altLang="zh-CN" sz="2800" dirty="0" smtClean="0">
-                <a:latin typeface="+mj-ea"/>
-                <a:ea typeface="+mj-ea"/>
-              </a:rPr>
-              <a:t>demo-6-2</a:t>
-            </a:r>
-            <a:endParaRPr lang="zh-CN" altLang="en-US" sz="2800" dirty="0" smtClean="0">
-              <a:latin typeface="+mj-ea"/>
-              <a:ea typeface="+mj-ea"/>
-            </a:endParaRPr>
-          </a:p>
-        </p:txBody>
-      </p:sp>
     </p:spTree>
     <p:custDataLst>
       <p:tags r:id="rId1"/>
@@ -14305,53 +14146,6 @@
       </p:sp>
       <p:sp>
         <p:nvSpPr>
-          <p:cNvPr id="5" name="矩形 4"/>
-          <p:cNvSpPr/>
-          <p:nvPr/>
-        </p:nvSpPr>
-        <p:spPr>
-          <a:xfrm>
-            <a:off x="9380930" y="5179235"/>
-            <a:ext cx="2698175" cy="637675"/>
-          </a:xfrm>
-          <a:prstGeom prst="rect">
-            <a:avLst/>
-          </a:prstGeom>
-        </p:spPr>
-        <p:txBody>
-          <a:bodyPr wrap="none">
-            <a:spAutoFit/>
-          </a:bodyPr>
-          <a:lstStyle/>
-          <a:p>
-            <a:pPr>
-              <a:lnSpc>
-                <a:spcPct val="150000"/>
-              </a:lnSpc>
-            </a:pPr>
-            <a:r>
-              <a:rPr lang="zh-CN" altLang="en-US" sz="2800" dirty="0" smtClean="0">
-                <a:latin typeface="+mj-ea"/>
-                <a:ea typeface="+mj-ea"/>
-              </a:rPr>
-              <a:t>实例：</a:t>
-            </a:r>
-            <a:r>
-              <a:rPr lang="en-US" altLang="zh-CN" sz="2800" dirty="0" smtClean="0">
-                <a:latin typeface="+mj-ea"/>
-                <a:ea typeface="+mj-ea"/>
-              </a:rPr>
-              <a:t>demo-6-2</a:t>
-            </a:r>
-            <a:endParaRPr lang="zh-CN" altLang="en-US" sz="2800" dirty="0" smtClean="0">
-              <a:latin typeface="+mj-ea"/>
-              <a:ea typeface="+mj-ea"/>
-            </a:endParaRPr>
-          </a:p>
-        </p:txBody>
-      </p:sp>
-      <p:sp>
-        <p:nvSpPr>
           <p:cNvPr id="6" name="Rectangle 1"/>
           <p:cNvSpPr>
             <a:spLocks noChangeArrowheads="1"/>
@@ -15416,53 +15210,6 @@
       </p:sp>
       <p:sp>
         <p:nvSpPr>
-          <p:cNvPr id="5" name="矩形 4"/>
-          <p:cNvSpPr/>
-          <p:nvPr/>
-        </p:nvSpPr>
-        <p:spPr>
-          <a:xfrm>
-            <a:off x="9380930" y="5179235"/>
-            <a:ext cx="2698175" cy="637675"/>
-          </a:xfrm>
-          <a:prstGeom prst="rect">
-            <a:avLst/>
-          </a:prstGeom>
-        </p:spPr>
-        <p:txBody>
-          <a:bodyPr wrap="none">
-            <a:spAutoFit/>
-          </a:bodyPr>
-          <a:lstStyle/>
-          <a:p>
-            <a:pPr>
-              <a:lnSpc>
-                <a:spcPct val="150000"/>
-              </a:lnSpc>
-            </a:pPr>
-            <a:r>
-              <a:rPr lang="zh-CN" altLang="en-US" sz="2800" dirty="0" smtClean="0">
-                <a:latin typeface="+mj-ea"/>
-                <a:ea typeface="+mj-ea"/>
-              </a:rPr>
-              <a:t>实例：</a:t>
-            </a:r>
-            <a:r>
-              <a:rPr lang="en-US" altLang="zh-CN" sz="2800" dirty="0" smtClean="0">
-                <a:latin typeface="+mj-ea"/>
-                <a:ea typeface="+mj-ea"/>
-              </a:rPr>
-              <a:t>demo-6-3</a:t>
-            </a:r>
-            <a:endParaRPr lang="zh-CN" altLang="en-US" sz="2800" dirty="0" smtClean="0">
-              <a:latin typeface="+mj-ea"/>
-              <a:ea typeface="+mj-ea"/>
-            </a:endParaRPr>
-          </a:p>
-        </p:txBody>
-      </p:sp>
-      <p:sp>
-        <p:nvSpPr>
           <p:cNvPr id="6" name="TextBox 5"/>
           <p:cNvSpPr txBox="1"/>
           <p:nvPr/>
@@ -15799,53 +15546,6 @@
               <a:t>其他</a:t>
             </a:r>
             <a:endParaRPr lang="zh-CN" altLang="en-US" sz="4000" dirty="0"/>
-          </a:p>
-        </p:txBody>
-      </p:sp>
-      <p:sp>
-        <p:nvSpPr>
-          <p:cNvPr id="5" name="矩形 4"/>
-          <p:cNvSpPr/>
-          <p:nvPr/>
-        </p:nvSpPr>
-        <p:spPr>
-          <a:xfrm>
-            <a:off x="9380930" y="5179235"/>
-            <a:ext cx="2698175" cy="738664"/>
-          </a:xfrm>
-          <a:prstGeom prst="rect">
-            <a:avLst/>
-          </a:prstGeom>
-        </p:spPr>
-        <p:txBody>
-          <a:bodyPr wrap="none">
-            <a:spAutoFit/>
-          </a:bodyPr>
-          <a:lstStyle/>
-          <a:p>
-            <a:pPr>
-              <a:lnSpc>
-                <a:spcPct val="150000"/>
-              </a:lnSpc>
-            </a:pPr>
-            <a:r>
-              <a:rPr lang="zh-CN" altLang="en-US" sz="2800" dirty="0" smtClean="0">
-                <a:latin typeface="+mj-ea"/>
-                <a:ea typeface="+mj-ea"/>
-              </a:rPr>
-              <a:t>实例：</a:t>
-            </a:r>
-            <a:r>
-              <a:rPr lang="en-US" altLang="zh-CN" sz="2800" dirty="0" smtClean="0">
-                <a:latin typeface="+mj-ea"/>
-                <a:ea typeface="+mj-ea"/>
-              </a:rPr>
-              <a:t>demo-6-4</a:t>
-            </a:r>
-            <a:endParaRPr lang="zh-CN" altLang="en-US" sz="2800" dirty="0" smtClean="0">
-              <a:latin typeface="+mj-ea"/>
-              <a:ea typeface="+mj-ea"/>
-            </a:endParaRPr>
           </a:p>
         </p:txBody>
       </p:sp>
